--- a/goddun_report.pptx
+++ b/goddun_report.pptx
@@ -357,11 +357,11 @@
           <c:showBubbleSize val="0"/>
         </c:dLbls>
         <c:gapWidth val="199"/>
-        <c:axId val="-943450496"/>
-        <c:axId val="-943332192"/>
+        <c:axId val="-941442208"/>
+        <c:axId val="-941440432"/>
       </c:barChart>
       <c:catAx>
-        <c:axId val="-943450496"/>
+        <c:axId val="-941442208"/>
         <c:scaling>
           <c:orientation val="minMax"/>
         </c:scaling>
@@ -404,7 +404,7 @@
             <a:endParaRPr lang="ko-KR"/>
           </a:p>
         </c:txPr>
-        <c:crossAx val="-943332192"/>
+        <c:crossAx val="-941440432"/>
         <c:crosses val="autoZero"/>
         <c:auto val="1"/>
         <c:lblAlgn val="ctr"/>
@@ -412,7 +412,7 @@
         <c:noMultiLvlLbl val="0"/>
       </c:catAx>
       <c:valAx>
-        <c:axId val="-943332192"/>
+        <c:axId val="-941440432"/>
         <c:scaling>
           <c:orientation val="minMax"/>
         </c:scaling>
@@ -477,7 +477,7 @@
             <a:endParaRPr lang="ko-KR"/>
           </a:p>
         </c:txPr>
-        <c:crossAx val="-943450496"/>
+        <c:crossAx val="-941442208"/>
         <c:crosses val="autoZero"/>
         <c:crossBetween val="between"/>
       </c:valAx>
@@ -8220,7 +8220,7 @@
         </p:nvSpPr>
         <p:spPr>
           <a:xfrm flipH="1" flipV="1">
-            <a:off x="8466" y="389467"/>
+            <a:off x="-2551" y="389467"/>
             <a:ext cx="457200" cy="457200"/>
           </a:xfrm>
           <a:prstGeom prst="blockArc">
@@ -8875,7 +8875,7 @@
         </p:nvSpPr>
         <p:spPr>
           <a:xfrm flipH="1" flipV="1">
-            <a:off x="8466" y="389467"/>
+            <a:off x="-2551" y="389467"/>
             <a:ext cx="457200" cy="457200"/>
           </a:xfrm>
           <a:prstGeom prst="blockArc">
@@ -9313,7 +9313,7 @@
         </p:nvSpPr>
         <p:spPr>
           <a:xfrm flipH="1" flipV="1">
-            <a:off x="8466" y="389467"/>
+            <a:off x="-68653" y="389467"/>
             <a:ext cx="457200" cy="457200"/>
           </a:xfrm>
           <a:prstGeom prst="blockArc">
@@ -9927,18 +9927,7 @@
                   </a:schemeClr>
                 </a:solidFill>
               </a:rPr>
-              <a:t>P</a:t>
-            </a:r>
-            <a:r>
-              <a:rPr lang="en-US" altLang="ko-KR" dirty="0" smtClean="0">
-                <a:solidFill>
-                  <a:schemeClr val="tx1">
-                    <a:lumMod val="75000"/>
-                    <a:lumOff val="25000"/>
-                  </a:schemeClr>
-                </a:solidFill>
-              </a:rPr>
-              <a:t>lay</a:t>
+              <a:t>Play</a:t>
             </a:r>
           </a:p>
           <a:p>
@@ -10629,7 +10618,7 @@
         </p:nvSpPr>
         <p:spPr>
           <a:xfrm flipH="1" flipV="1">
-            <a:off x="8466" y="389467"/>
+            <a:off x="-2551" y="389467"/>
             <a:ext cx="457200" cy="457200"/>
           </a:xfrm>
           <a:prstGeom prst="blockArc">
@@ -11331,7 +11320,7 @@
         </p:nvSpPr>
         <p:spPr>
           <a:xfrm flipH="1" flipV="1">
-            <a:off x="8466" y="389467"/>
+            <a:off x="-2551" y="389467"/>
             <a:ext cx="457200" cy="457200"/>
           </a:xfrm>
           <a:prstGeom prst="blockArc">
@@ -12113,7 +12102,7 @@
         </p:nvSpPr>
         <p:spPr>
           <a:xfrm flipH="1" flipV="1">
-            <a:off x="8466" y="389467"/>
+            <a:off x="-2551" y="389467"/>
             <a:ext cx="457200" cy="457200"/>
           </a:xfrm>
           <a:prstGeom prst="blockArc">
@@ -12691,7 +12680,7 @@
         </p:nvSpPr>
         <p:spPr>
           <a:xfrm flipH="1" flipV="1">
-            <a:off x="8466" y="389467"/>
+            <a:off x="-2551" y="389467"/>
             <a:ext cx="457200" cy="457200"/>
           </a:xfrm>
           <a:prstGeom prst="blockArc">
@@ -13641,7 +13630,7 @@
         </p:nvSpPr>
         <p:spPr>
           <a:xfrm flipH="1" flipV="1">
-            <a:off x="8466" y="389467"/>
+            <a:off x="-2551" y="389467"/>
             <a:ext cx="457200" cy="457200"/>
           </a:xfrm>
           <a:prstGeom prst="blockArc">
@@ -14426,7 +14415,7 @@
         </p:nvSpPr>
         <p:spPr>
           <a:xfrm flipH="1" flipV="1">
-            <a:off x="8466" y="389467"/>
+            <a:off x="-2551" y="389467"/>
             <a:ext cx="457200" cy="457200"/>
           </a:xfrm>
           <a:prstGeom prst="blockArc">
@@ -15536,7 +15525,7 @@
         </p:nvSpPr>
         <p:spPr>
           <a:xfrm flipH="1" flipV="1">
-            <a:off x="8466" y="389467"/>
+            <a:off x="-2551" y="389467"/>
             <a:ext cx="457200" cy="457200"/>
           </a:xfrm>
           <a:prstGeom prst="blockArc">
